--- a/公号文章配图.pptx
+++ b/公号文章配图.pptx
@@ -9,6 +9,7 @@
     <p:sldId id="257" r:id="rId3"/>
     <p:sldId id="259" r:id="rId4"/>
     <p:sldId id="260" r:id="rId5"/>
+    <p:sldId id="261" r:id="rId6"/>
   </p:sldIdLst>
   <p:sldSz cx="12192000" cy="6858000"/>
   <p:notesSz cx="6858000" cy="9144000"/>
@@ -246,7 +247,7 @@
           <a:p>
             <a:fld id="{1533839F-3F66-1041-A72B-59E9F1AD928E}" type="datetimeFigureOut">
               <a:rPr kumimoji="1" lang="zh-CN" altLang="en-US" smtClean="0"/>
-              <a:t>2018/7/11</a:t>
+              <a:t>2018/7/16</a:t>
             </a:fld>
             <a:endParaRPr kumimoji="1" lang="zh-CN" altLang="en-US"/>
           </a:p>
@@ -416,7 +417,7 @@
           <a:p>
             <a:fld id="{1533839F-3F66-1041-A72B-59E9F1AD928E}" type="datetimeFigureOut">
               <a:rPr kumimoji="1" lang="zh-CN" altLang="en-US" smtClean="0"/>
-              <a:t>2018/7/11</a:t>
+              <a:t>2018/7/16</a:t>
             </a:fld>
             <a:endParaRPr kumimoji="1" lang="zh-CN" altLang="en-US"/>
           </a:p>
@@ -596,7 +597,7 @@
           <a:p>
             <a:fld id="{1533839F-3F66-1041-A72B-59E9F1AD928E}" type="datetimeFigureOut">
               <a:rPr kumimoji="1" lang="zh-CN" altLang="en-US" smtClean="0"/>
-              <a:t>2018/7/11</a:t>
+              <a:t>2018/7/16</a:t>
             </a:fld>
             <a:endParaRPr kumimoji="1" lang="zh-CN" altLang="en-US"/>
           </a:p>
@@ -766,7 +767,7 @@
           <a:p>
             <a:fld id="{1533839F-3F66-1041-A72B-59E9F1AD928E}" type="datetimeFigureOut">
               <a:rPr kumimoji="1" lang="zh-CN" altLang="en-US" smtClean="0"/>
-              <a:t>2018/7/11</a:t>
+              <a:t>2018/7/16</a:t>
             </a:fld>
             <a:endParaRPr kumimoji="1" lang="zh-CN" altLang="en-US"/>
           </a:p>
@@ -1012,7 +1013,7 @@
           <a:p>
             <a:fld id="{1533839F-3F66-1041-A72B-59E9F1AD928E}" type="datetimeFigureOut">
               <a:rPr kumimoji="1" lang="zh-CN" altLang="en-US" smtClean="0"/>
-              <a:t>2018/7/11</a:t>
+              <a:t>2018/7/16</a:t>
             </a:fld>
             <a:endParaRPr kumimoji="1" lang="zh-CN" altLang="en-US"/>
           </a:p>
@@ -1244,7 +1245,7 @@
           <a:p>
             <a:fld id="{1533839F-3F66-1041-A72B-59E9F1AD928E}" type="datetimeFigureOut">
               <a:rPr kumimoji="1" lang="zh-CN" altLang="en-US" smtClean="0"/>
-              <a:t>2018/7/11</a:t>
+              <a:t>2018/7/16</a:t>
             </a:fld>
             <a:endParaRPr kumimoji="1" lang="zh-CN" altLang="en-US"/>
           </a:p>
@@ -1611,7 +1612,7 @@
           <a:p>
             <a:fld id="{1533839F-3F66-1041-A72B-59E9F1AD928E}" type="datetimeFigureOut">
               <a:rPr kumimoji="1" lang="zh-CN" altLang="en-US" smtClean="0"/>
-              <a:t>2018/7/11</a:t>
+              <a:t>2018/7/16</a:t>
             </a:fld>
             <a:endParaRPr kumimoji="1" lang="zh-CN" altLang="en-US"/>
           </a:p>
@@ -1729,7 +1730,7 @@
           <a:p>
             <a:fld id="{1533839F-3F66-1041-A72B-59E9F1AD928E}" type="datetimeFigureOut">
               <a:rPr kumimoji="1" lang="zh-CN" altLang="en-US" smtClean="0"/>
-              <a:t>2018/7/11</a:t>
+              <a:t>2018/7/16</a:t>
             </a:fld>
             <a:endParaRPr kumimoji="1" lang="zh-CN" altLang="en-US"/>
           </a:p>
@@ -1824,7 +1825,7 @@
           <a:p>
             <a:fld id="{1533839F-3F66-1041-A72B-59E9F1AD928E}" type="datetimeFigureOut">
               <a:rPr kumimoji="1" lang="zh-CN" altLang="en-US" smtClean="0"/>
-              <a:t>2018/7/11</a:t>
+              <a:t>2018/7/16</a:t>
             </a:fld>
             <a:endParaRPr kumimoji="1" lang="zh-CN" altLang="en-US"/>
           </a:p>
@@ -2101,7 +2102,7 @@
           <a:p>
             <a:fld id="{1533839F-3F66-1041-A72B-59E9F1AD928E}" type="datetimeFigureOut">
               <a:rPr kumimoji="1" lang="zh-CN" altLang="en-US" smtClean="0"/>
-              <a:t>2018/7/11</a:t>
+              <a:t>2018/7/16</a:t>
             </a:fld>
             <a:endParaRPr kumimoji="1" lang="zh-CN" altLang="en-US"/>
           </a:p>
@@ -2354,7 +2355,7 @@
           <a:p>
             <a:fld id="{1533839F-3F66-1041-A72B-59E9F1AD928E}" type="datetimeFigureOut">
               <a:rPr kumimoji="1" lang="zh-CN" altLang="en-US" smtClean="0"/>
-              <a:t>2018/7/11</a:t>
+              <a:t>2018/7/16</a:t>
             </a:fld>
             <a:endParaRPr kumimoji="1" lang="zh-CN" altLang="en-US"/>
           </a:p>
@@ -2567,7 +2568,7 @@
           <a:p>
             <a:fld id="{1533839F-3F66-1041-A72B-59E9F1AD928E}" type="datetimeFigureOut">
               <a:rPr kumimoji="1" lang="zh-CN" altLang="en-US" smtClean="0"/>
-              <a:t>2018/7/11</a:t>
+              <a:t>2018/7/16</a:t>
             </a:fld>
             <a:endParaRPr kumimoji="1" lang="zh-CN" altLang="en-US"/>
           </a:p>
@@ -9190,6 +9191,656 @@
 </p:sld>
 </file>
 
+<file path=ppt/slides/slide5.xml><?xml version="1.0" encoding="utf-8"?>
+<p:sld xmlns:a="http://schemas.openxmlformats.org/drawingml/2006/main" xmlns:r="http://schemas.openxmlformats.org/officeDocument/2006/relationships" xmlns:p="http://schemas.openxmlformats.org/presentationml/2006/main">
+  <p:cSld>
+    <p:spTree>
+      <p:nvGrpSpPr>
+        <p:cNvPr id="1" name=""/>
+        <p:cNvGrpSpPr/>
+        <p:nvPr/>
+      </p:nvGrpSpPr>
+      <p:grpSpPr>
+        <a:xfrm>
+          <a:off x="0" y="0"/>
+          <a:ext cx="0" cy="0"/>
+          <a:chOff x="0" y="0"/>
+          <a:chExt cx="0" cy="0"/>
+        </a:xfrm>
+      </p:grpSpPr>
+      <p:sp>
+        <p:nvSpPr>
+          <p:cNvPr id="18" name="矩形 17"/>
+          <p:cNvSpPr/>
+          <p:nvPr/>
+        </p:nvSpPr>
+        <p:spPr>
+          <a:xfrm>
+            <a:off x="3078231" y="2443163"/>
+            <a:ext cx="3340722" cy="957262"/>
+          </a:xfrm>
+          <a:prstGeom prst="rect">
+            <a:avLst/>
+          </a:prstGeom>
+          <a:noFill/>
+          <a:ln>
+            <a:prstDash val="sysDot"/>
+          </a:ln>
+        </p:spPr>
+        <p:style>
+          <a:lnRef idx="2">
+            <a:schemeClr val="accent1">
+              <a:shade val="50000"/>
+            </a:schemeClr>
+          </a:lnRef>
+          <a:fillRef idx="1">
+            <a:schemeClr val="accent1"/>
+          </a:fillRef>
+          <a:effectRef idx="0">
+            <a:schemeClr val="accent1"/>
+          </a:effectRef>
+          <a:fontRef idx="minor">
+            <a:schemeClr val="lt1"/>
+          </a:fontRef>
+        </p:style>
+        <p:txBody>
+          <a:bodyPr rtlCol="0" anchor="ctr"/>
+          <a:lstStyle/>
+          <a:p>
+            <a:pPr algn="ctr"/>
+            <a:endParaRPr kumimoji="1" lang="zh-CN" altLang="en-US" dirty="0" smtClean="0"/>
+          </a:p>
+          <a:p>
+            <a:pPr algn="ctr"/>
+            <a:endParaRPr kumimoji="1" lang="zh-CN" altLang="en-US" dirty="0"/>
+          </a:p>
+        </p:txBody>
+      </p:sp>
+      <p:sp>
+        <p:nvSpPr>
+          <p:cNvPr id="5" name="矩形 4"/>
+          <p:cNvSpPr/>
+          <p:nvPr/>
+        </p:nvSpPr>
+        <p:spPr>
+          <a:xfrm>
+            <a:off x="3278979" y="2694980"/>
+            <a:ext cx="1221583" cy="571498"/>
+          </a:xfrm>
+          <a:prstGeom prst="rect">
+            <a:avLst/>
+          </a:prstGeom>
+          <a:solidFill>
+            <a:schemeClr val="accent2"/>
+          </a:solidFill>
+        </p:spPr>
+        <p:style>
+          <a:lnRef idx="2">
+            <a:schemeClr val="accent1">
+              <a:shade val="50000"/>
+            </a:schemeClr>
+          </a:lnRef>
+          <a:fillRef idx="1">
+            <a:schemeClr val="accent1"/>
+          </a:fillRef>
+          <a:effectRef idx="0">
+            <a:schemeClr val="accent1"/>
+          </a:effectRef>
+          <a:fontRef idx="minor">
+            <a:schemeClr val="lt1"/>
+          </a:fontRef>
+        </p:style>
+        <p:txBody>
+          <a:bodyPr rtlCol="0" anchor="ctr"/>
+          <a:lstStyle/>
+          <a:p>
+            <a:pPr algn="ctr"/>
+            <a:endParaRPr kumimoji="1" lang="zh-CN" altLang="en-US" dirty="0" smtClean="0"/>
+          </a:p>
+          <a:p>
+            <a:pPr algn="ctr"/>
+            <a:r>
+              <a:rPr kumimoji="1" lang="zh-CN" altLang="en-US" dirty="0" smtClean="0"/>
+              <a:t>账单内容</a:t>
+            </a:r>
+          </a:p>
+          <a:p>
+            <a:pPr algn="ctr"/>
+            <a:endParaRPr kumimoji="1" lang="zh-CN" altLang="en-US" dirty="0"/>
+          </a:p>
+        </p:txBody>
+      </p:sp>
+      <p:sp>
+        <p:nvSpPr>
+          <p:cNvPr id="4" name="矩形 3"/>
+          <p:cNvSpPr/>
+          <p:nvPr/>
+        </p:nvSpPr>
+        <p:spPr>
+          <a:xfrm>
+            <a:off x="5290478" y="2694980"/>
+            <a:ext cx="867436" cy="571497"/>
+          </a:xfrm>
+          <a:prstGeom prst="rect">
+            <a:avLst/>
+          </a:prstGeom>
+          <a:solidFill>
+            <a:srgbClr val="00B050"/>
+          </a:solidFill>
+        </p:spPr>
+        <p:style>
+          <a:lnRef idx="2">
+            <a:schemeClr val="accent1">
+              <a:shade val="50000"/>
+            </a:schemeClr>
+          </a:lnRef>
+          <a:fillRef idx="1">
+            <a:schemeClr val="accent1"/>
+          </a:fillRef>
+          <a:effectRef idx="0">
+            <a:schemeClr val="accent1"/>
+          </a:effectRef>
+          <a:fontRef idx="minor">
+            <a:schemeClr val="lt1"/>
+          </a:fontRef>
+        </p:style>
+        <p:txBody>
+          <a:bodyPr rtlCol="0" anchor="ctr"/>
+          <a:lstStyle/>
+          <a:p>
+            <a:pPr algn="ctr"/>
+            <a:r>
+              <a:rPr kumimoji="1" lang="zh-CN" altLang="en-US" dirty="0" smtClean="0"/>
+              <a:t>签名</a:t>
+            </a:r>
+            <a:endParaRPr kumimoji="1" lang="zh-CN" altLang="en-US" dirty="0"/>
+          </a:p>
+        </p:txBody>
+      </p:sp>
+      <p:sp>
+        <p:nvSpPr>
+          <p:cNvPr id="6" name="矩形 5"/>
+          <p:cNvSpPr/>
+          <p:nvPr/>
+        </p:nvSpPr>
+        <p:spPr>
+          <a:xfrm>
+            <a:off x="7093467" y="2694979"/>
+            <a:ext cx="993258" cy="571497"/>
+          </a:xfrm>
+          <a:prstGeom prst="rect">
+            <a:avLst/>
+          </a:prstGeom>
+        </p:spPr>
+        <p:style>
+          <a:lnRef idx="2">
+            <a:schemeClr val="accent1">
+              <a:shade val="50000"/>
+            </a:schemeClr>
+          </a:lnRef>
+          <a:fillRef idx="1">
+            <a:schemeClr val="accent1"/>
+          </a:fillRef>
+          <a:effectRef idx="0">
+            <a:schemeClr val="accent1"/>
+          </a:effectRef>
+          <a:fontRef idx="minor">
+            <a:schemeClr val="lt1"/>
+          </a:fontRef>
+        </p:style>
+        <p:txBody>
+          <a:bodyPr rtlCol="0" anchor="ctr"/>
+          <a:lstStyle/>
+          <a:p>
+            <a:pPr algn="ctr"/>
+            <a:r>
+              <a:rPr kumimoji="1" lang="zh-CN" altLang="en-US" dirty="0" smtClean="0"/>
+              <a:t>账单</a:t>
+            </a:r>
+            <a:r>
+              <a:rPr kumimoji="1" lang="en-US" altLang="zh-CN" dirty="0" smtClean="0"/>
+              <a:t>ID</a:t>
+            </a:r>
+            <a:endParaRPr kumimoji="1" lang="zh-CN" altLang="en-US" dirty="0"/>
+          </a:p>
+        </p:txBody>
+      </p:sp>
+      <p:sp>
+        <p:nvSpPr>
+          <p:cNvPr id="8" name="文本框 7"/>
+          <p:cNvSpPr txBox="1"/>
+          <p:nvPr/>
+        </p:nvSpPr>
+        <p:spPr>
+          <a:xfrm>
+            <a:off x="2196258" y="2785703"/>
+            <a:ext cx="881973" cy="369332"/>
+          </a:xfrm>
+          <a:prstGeom prst="rect">
+            <a:avLst/>
+          </a:prstGeom>
+          <a:noFill/>
+        </p:spPr>
+        <p:txBody>
+          <a:bodyPr wrap="none" rtlCol="0">
+            <a:spAutoFit/>
+          </a:bodyPr>
+          <a:lstStyle/>
+          <a:p>
+            <a:r>
+              <a:rPr kumimoji="1" lang="en-US" altLang="zh-CN" dirty="0" smtClean="0"/>
+              <a:t>Hash</a:t>
+            </a:r>
+            <a:r>
+              <a:rPr kumimoji="1" lang="zh-CN" altLang="en-US" dirty="0" smtClean="0"/>
+              <a:t>（</a:t>
+            </a:r>
+            <a:endParaRPr kumimoji="1" lang="zh-CN" altLang="en-US" dirty="0"/>
+          </a:p>
+        </p:txBody>
+      </p:sp>
+      <p:sp>
+        <p:nvSpPr>
+          <p:cNvPr id="9" name="文本框 8"/>
+          <p:cNvSpPr txBox="1"/>
+          <p:nvPr/>
+        </p:nvSpPr>
+        <p:spPr>
+          <a:xfrm>
+            <a:off x="6418953" y="2799991"/>
+            <a:ext cx="530915" cy="369332"/>
+          </a:xfrm>
+          <a:prstGeom prst="rect">
+            <a:avLst/>
+          </a:prstGeom>
+          <a:noFill/>
+        </p:spPr>
+        <p:txBody>
+          <a:bodyPr wrap="none" rtlCol="0">
+            <a:spAutoFit/>
+          </a:bodyPr>
+          <a:lstStyle/>
+          <a:p>
+            <a:r>
+              <a:rPr kumimoji="1" lang="zh-CN" altLang="en-US" dirty="0" smtClean="0"/>
+              <a:t>）</a:t>
+            </a:r>
+            <a:r>
+              <a:rPr kumimoji="1" lang="en-US" altLang="zh-CN" dirty="0" smtClean="0"/>
+              <a:t>=</a:t>
+            </a:r>
+            <a:endParaRPr kumimoji="1" lang="zh-CN" altLang="en-US" dirty="0"/>
+          </a:p>
+        </p:txBody>
+      </p:sp>
+      <p:sp>
+        <p:nvSpPr>
+          <p:cNvPr id="10" name="文本框 9"/>
+          <p:cNvSpPr txBox="1"/>
+          <p:nvPr/>
+        </p:nvSpPr>
+        <p:spPr>
+          <a:xfrm>
+            <a:off x="4789646" y="2791061"/>
+            <a:ext cx="300082" cy="369332"/>
+          </a:xfrm>
+          <a:prstGeom prst="rect">
+            <a:avLst/>
+          </a:prstGeom>
+          <a:noFill/>
+        </p:spPr>
+        <p:txBody>
+          <a:bodyPr wrap="none" rtlCol="0">
+            <a:spAutoFit/>
+          </a:bodyPr>
+          <a:lstStyle/>
+          <a:p>
+            <a:r>
+              <a:rPr kumimoji="1" lang="en-US" altLang="zh-CN" dirty="0" smtClean="0"/>
+              <a:t>+</a:t>
+            </a:r>
+            <a:endParaRPr kumimoji="1" lang="zh-CN" altLang="en-US" dirty="0"/>
+          </a:p>
+        </p:txBody>
+      </p:sp>
+      <p:sp>
+        <p:nvSpPr>
+          <p:cNvPr id="12" name="矩形 11"/>
+          <p:cNvSpPr/>
+          <p:nvPr/>
+        </p:nvSpPr>
+        <p:spPr>
+          <a:xfrm>
+            <a:off x="3278979" y="4690468"/>
+            <a:ext cx="1221583" cy="571498"/>
+          </a:xfrm>
+          <a:prstGeom prst="rect">
+            <a:avLst/>
+          </a:prstGeom>
+          <a:solidFill>
+            <a:schemeClr val="accent2"/>
+          </a:solidFill>
+        </p:spPr>
+        <p:style>
+          <a:lnRef idx="2">
+            <a:schemeClr val="accent1">
+              <a:shade val="50000"/>
+            </a:schemeClr>
+          </a:lnRef>
+          <a:fillRef idx="1">
+            <a:schemeClr val="accent1"/>
+          </a:fillRef>
+          <a:effectRef idx="0">
+            <a:schemeClr val="accent1"/>
+          </a:effectRef>
+          <a:fontRef idx="minor">
+            <a:schemeClr val="lt1"/>
+          </a:fontRef>
+        </p:style>
+        <p:txBody>
+          <a:bodyPr rtlCol="0" anchor="ctr"/>
+          <a:lstStyle/>
+          <a:p>
+            <a:pPr algn="ctr"/>
+            <a:endParaRPr kumimoji="1" lang="zh-CN" altLang="en-US" dirty="0" smtClean="0"/>
+          </a:p>
+          <a:p>
+            <a:pPr algn="ctr"/>
+            <a:r>
+              <a:rPr kumimoji="1" lang="zh-CN" altLang="en-US" dirty="0" smtClean="0"/>
+              <a:t>账单内容</a:t>
+            </a:r>
+          </a:p>
+          <a:p>
+            <a:pPr algn="ctr"/>
+            <a:endParaRPr kumimoji="1" lang="zh-CN" altLang="en-US" dirty="0"/>
+          </a:p>
+        </p:txBody>
+      </p:sp>
+      <p:sp>
+        <p:nvSpPr>
+          <p:cNvPr id="13" name="矩形 12"/>
+          <p:cNvSpPr/>
+          <p:nvPr/>
+        </p:nvSpPr>
+        <p:spPr>
+          <a:xfrm>
+            <a:off x="3456052" y="5524141"/>
+            <a:ext cx="867436" cy="571497"/>
+          </a:xfrm>
+          <a:prstGeom prst="rect">
+            <a:avLst/>
+          </a:prstGeom>
+          <a:solidFill>
+            <a:srgbClr val="00B050"/>
+          </a:solidFill>
+        </p:spPr>
+        <p:style>
+          <a:lnRef idx="2">
+            <a:schemeClr val="accent1">
+              <a:shade val="50000"/>
+            </a:schemeClr>
+          </a:lnRef>
+          <a:fillRef idx="1">
+            <a:schemeClr val="accent1"/>
+          </a:fillRef>
+          <a:effectRef idx="0">
+            <a:schemeClr val="accent1"/>
+          </a:effectRef>
+          <a:fontRef idx="minor">
+            <a:schemeClr val="lt1"/>
+          </a:fontRef>
+        </p:style>
+        <p:txBody>
+          <a:bodyPr rtlCol="0" anchor="ctr"/>
+          <a:lstStyle/>
+          <a:p>
+            <a:pPr algn="ctr"/>
+            <a:r>
+              <a:rPr kumimoji="1" lang="zh-CN" altLang="en-US" dirty="0" smtClean="0"/>
+              <a:t>签名</a:t>
+            </a:r>
+            <a:endParaRPr kumimoji="1" lang="zh-CN" altLang="en-US" dirty="0"/>
+          </a:p>
+        </p:txBody>
+      </p:sp>
+      <p:sp>
+        <p:nvSpPr>
+          <p:cNvPr id="14" name="矩形 13"/>
+          <p:cNvSpPr/>
+          <p:nvPr/>
+        </p:nvSpPr>
+        <p:spPr>
+          <a:xfrm>
+            <a:off x="5375824" y="4651774"/>
+            <a:ext cx="993258" cy="571497"/>
+          </a:xfrm>
+          <a:prstGeom prst="rect">
+            <a:avLst/>
+          </a:prstGeom>
+        </p:spPr>
+        <p:style>
+          <a:lnRef idx="2">
+            <a:schemeClr val="accent1">
+              <a:shade val="50000"/>
+            </a:schemeClr>
+          </a:lnRef>
+          <a:fillRef idx="1">
+            <a:schemeClr val="accent1"/>
+          </a:fillRef>
+          <a:effectRef idx="0">
+            <a:schemeClr val="accent1"/>
+          </a:effectRef>
+          <a:fontRef idx="minor">
+            <a:schemeClr val="lt1"/>
+          </a:fontRef>
+        </p:style>
+        <p:txBody>
+          <a:bodyPr rtlCol="0" anchor="ctr"/>
+          <a:lstStyle/>
+          <a:p>
+            <a:pPr algn="ctr"/>
+            <a:r>
+              <a:rPr kumimoji="1" lang="zh-CN" altLang="en-US" dirty="0" smtClean="0"/>
+              <a:t>账单</a:t>
+            </a:r>
+            <a:r>
+              <a:rPr kumimoji="1" lang="en-US" altLang="zh-CN" dirty="0" smtClean="0"/>
+              <a:t>ID</a:t>
+            </a:r>
+            <a:endParaRPr kumimoji="1" lang="zh-CN" altLang="en-US" dirty="0"/>
+          </a:p>
+        </p:txBody>
+      </p:sp>
+      <p:sp>
+        <p:nvSpPr>
+          <p:cNvPr id="15" name="文本框 14"/>
+          <p:cNvSpPr txBox="1"/>
+          <p:nvPr/>
+        </p:nvSpPr>
+        <p:spPr>
+          <a:xfrm>
+            <a:off x="2196258" y="4781191"/>
+            <a:ext cx="881973" cy="369332"/>
+          </a:xfrm>
+          <a:prstGeom prst="rect">
+            <a:avLst/>
+          </a:prstGeom>
+          <a:noFill/>
+        </p:spPr>
+        <p:txBody>
+          <a:bodyPr wrap="none" rtlCol="0">
+            <a:spAutoFit/>
+          </a:bodyPr>
+          <a:lstStyle/>
+          <a:p>
+            <a:r>
+              <a:rPr kumimoji="1" lang="en-US" altLang="zh-CN" dirty="0" smtClean="0"/>
+              <a:t>Hash</a:t>
+            </a:r>
+            <a:r>
+              <a:rPr kumimoji="1" lang="zh-CN" altLang="en-US" dirty="0" smtClean="0"/>
+              <a:t>（</a:t>
+            </a:r>
+            <a:endParaRPr kumimoji="1" lang="zh-CN" altLang="en-US" dirty="0"/>
+          </a:p>
+        </p:txBody>
+      </p:sp>
+      <p:sp>
+        <p:nvSpPr>
+          <p:cNvPr id="16" name="文本框 15"/>
+          <p:cNvSpPr txBox="1"/>
+          <p:nvPr/>
+        </p:nvSpPr>
+        <p:spPr>
+          <a:xfrm>
+            <a:off x="4701310" y="4756786"/>
+            <a:ext cx="530915" cy="369332"/>
+          </a:xfrm>
+          <a:prstGeom prst="rect">
+            <a:avLst/>
+          </a:prstGeom>
+          <a:noFill/>
+        </p:spPr>
+        <p:txBody>
+          <a:bodyPr wrap="none" rtlCol="0">
+            <a:spAutoFit/>
+          </a:bodyPr>
+          <a:lstStyle/>
+          <a:p>
+            <a:r>
+              <a:rPr kumimoji="1" lang="zh-CN" altLang="en-US" dirty="0" smtClean="0"/>
+              <a:t>）</a:t>
+            </a:r>
+            <a:r>
+              <a:rPr kumimoji="1" lang="en-US" altLang="zh-CN" dirty="0" smtClean="0"/>
+              <a:t>=</a:t>
+            </a:r>
+            <a:endParaRPr kumimoji="1" lang="zh-CN" altLang="en-US" dirty="0"/>
+          </a:p>
+        </p:txBody>
+      </p:sp>
+      <p:sp>
+        <p:nvSpPr>
+          <p:cNvPr id="19" name="文本框 18"/>
+          <p:cNvSpPr txBox="1"/>
+          <p:nvPr/>
+        </p:nvSpPr>
+        <p:spPr>
+          <a:xfrm>
+            <a:off x="4382459" y="2018465"/>
+            <a:ext cx="646331" cy="369332"/>
+          </a:xfrm>
+          <a:prstGeom prst="rect">
+            <a:avLst/>
+          </a:prstGeom>
+          <a:noFill/>
+        </p:spPr>
+        <p:txBody>
+          <a:bodyPr wrap="none" rtlCol="0">
+            <a:spAutoFit/>
+          </a:bodyPr>
+          <a:lstStyle/>
+          <a:p>
+            <a:r>
+              <a:rPr kumimoji="1" lang="zh-CN" altLang="en-US" smtClean="0"/>
+              <a:t>账单</a:t>
+            </a:r>
+            <a:endParaRPr kumimoji="1" lang="zh-CN" altLang="en-US"/>
+          </a:p>
+        </p:txBody>
+      </p:sp>
+      <p:sp>
+        <p:nvSpPr>
+          <p:cNvPr id="20" name="矩形 19"/>
+          <p:cNvSpPr/>
+          <p:nvPr/>
+        </p:nvSpPr>
+        <p:spPr>
+          <a:xfrm>
+            <a:off x="3119285" y="4452938"/>
+            <a:ext cx="1582025" cy="1804987"/>
+          </a:xfrm>
+          <a:prstGeom prst="rect">
+            <a:avLst/>
+          </a:prstGeom>
+          <a:noFill/>
+          <a:ln>
+            <a:prstDash val="sysDot"/>
+          </a:ln>
+        </p:spPr>
+        <p:style>
+          <a:lnRef idx="2">
+            <a:schemeClr val="accent1">
+              <a:shade val="50000"/>
+            </a:schemeClr>
+          </a:lnRef>
+          <a:fillRef idx="1">
+            <a:schemeClr val="accent1"/>
+          </a:fillRef>
+          <a:effectRef idx="0">
+            <a:schemeClr val="accent1"/>
+          </a:effectRef>
+          <a:fontRef idx="minor">
+            <a:schemeClr val="lt1"/>
+          </a:fontRef>
+        </p:style>
+        <p:txBody>
+          <a:bodyPr rtlCol="0" anchor="ctr"/>
+          <a:lstStyle/>
+          <a:p>
+            <a:pPr algn="ctr"/>
+            <a:endParaRPr kumimoji="1" lang="zh-CN" altLang="en-US" dirty="0" smtClean="0"/>
+          </a:p>
+          <a:p>
+            <a:pPr algn="ctr"/>
+            <a:endParaRPr kumimoji="1" lang="zh-CN" altLang="en-US" dirty="0"/>
+          </a:p>
+        </p:txBody>
+      </p:sp>
+      <p:sp>
+        <p:nvSpPr>
+          <p:cNvPr id="21" name="文本框 20"/>
+          <p:cNvSpPr txBox="1"/>
+          <p:nvPr/>
+        </p:nvSpPr>
+        <p:spPr>
+          <a:xfrm>
+            <a:off x="3556663" y="4058961"/>
+            <a:ext cx="666214" cy="369332"/>
+          </a:xfrm>
+          <a:prstGeom prst="rect">
+            <a:avLst/>
+          </a:prstGeom>
+          <a:noFill/>
+        </p:spPr>
+        <p:txBody>
+          <a:bodyPr wrap="square" rtlCol="0">
+            <a:spAutoFit/>
+          </a:bodyPr>
+          <a:lstStyle/>
+          <a:p>
+            <a:r>
+              <a:rPr kumimoji="1" lang="zh-CN" altLang="en-US" smtClean="0"/>
+              <a:t>账单</a:t>
+            </a:r>
+            <a:endParaRPr kumimoji="1" lang="zh-CN" altLang="en-US"/>
+          </a:p>
+        </p:txBody>
+      </p:sp>
+    </p:spTree>
+    <p:extLst>
+      <p:ext uri="{BB962C8B-B14F-4D97-AF65-F5344CB8AC3E}">
+        <p14:creationId xmlns:p14="http://schemas.microsoft.com/office/powerpoint/2010/main" val="1150757990"/>
+      </p:ext>
+    </p:extLst>
+  </p:cSld>
+  <p:clrMapOvr>
+    <a:masterClrMapping/>
+  </p:clrMapOvr>
+</p:sld>
+</file>
+
 <file path=ppt/theme/theme1.xml><?xml version="1.0" encoding="utf-8"?>
 <a:theme xmlns:a="http://schemas.openxmlformats.org/drawingml/2006/main" name="Office 主题">
   <a:themeElements>

--- a/公号文章配图.pptx
+++ b/公号文章配图.pptx
@@ -247,7 +247,7 @@
           <a:p>
             <a:fld id="{1533839F-3F66-1041-A72B-59E9F1AD928E}" type="datetimeFigureOut">
               <a:rPr kumimoji="1" lang="zh-CN" altLang="en-US" smtClean="0"/>
-              <a:t>2018/7/16</a:t>
+              <a:t>2018/7/19</a:t>
             </a:fld>
             <a:endParaRPr kumimoji="1" lang="zh-CN" altLang="en-US"/>
           </a:p>
@@ -417,7 +417,7 @@
           <a:p>
             <a:fld id="{1533839F-3F66-1041-A72B-59E9F1AD928E}" type="datetimeFigureOut">
               <a:rPr kumimoji="1" lang="zh-CN" altLang="en-US" smtClean="0"/>
-              <a:t>2018/7/16</a:t>
+              <a:t>2018/7/19</a:t>
             </a:fld>
             <a:endParaRPr kumimoji="1" lang="zh-CN" altLang="en-US"/>
           </a:p>
@@ -597,7 +597,7 @@
           <a:p>
             <a:fld id="{1533839F-3F66-1041-A72B-59E9F1AD928E}" type="datetimeFigureOut">
               <a:rPr kumimoji="1" lang="zh-CN" altLang="en-US" smtClean="0"/>
-              <a:t>2018/7/16</a:t>
+              <a:t>2018/7/19</a:t>
             </a:fld>
             <a:endParaRPr kumimoji="1" lang="zh-CN" altLang="en-US"/>
           </a:p>
@@ -767,7 +767,7 @@
           <a:p>
             <a:fld id="{1533839F-3F66-1041-A72B-59E9F1AD928E}" type="datetimeFigureOut">
               <a:rPr kumimoji="1" lang="zh-CN" altLang="en-US" smtClean="0"/>
-              <a:t>2018/7/16</a:t>
+              <a:t>2018/7/19</a:t>
             </a:fld>
             <a:endParaRPr kumimoji="1" lang="zh-CN" altLang="en-US"/>
           </a:p>
@@ -1013,7 +1013,7 @@
           <a:p>
             <a:fld id="{1533839F-3F66-1041-A72B-59E9F1AD928E}" type="datetimeFigureOut">
               <a:rPr kumimoji="1" lang="zh-CN" altLang="en-US" smtClean="0"/>
-              <a:t>2018/7/16</a:t>
+              <a:t>2018/7/19</a:t>
             </a:fld>
             <a:endParaRPr kumimoji="1" lang="zh-CN" altLang="en-US"/>
           </a:p>
@@ -1245,7 +1245,7 @@
           <a:p>
             <a:fld id="{1533839F-3F66-1041-A72B-59E9F1AD928E}" type="datetimeFigureOut">
               <a:rPr kumimoji="1" lang="zh-CN" altLang="en-US" smtClean="0"/>
-              <a:t>2018/7/16</a:t>
+              <a:t>2018/7/19</a:t>
             </a:fld>
             <a:endParaRPr kumimoji="1" lang="zh-CN" altLang="en-US"/>
           </a:p>
@@ -1612,7 +1612,7 @@
           <a:p>
             <a:fld id="{1533839F-3F66-1041-A72B-59E9F1AD928E}" type="datetimeFigureOut">
               <a:rPr kumimoji="1" lang="zh-CN" altLang="en-US" smtClean="0"/>
-              <a:t>2018/7/16</a:t>
+              <a:t>2018/7/19</a:t>
             </a:fld>
             <a:endParaRPr kumimoji="1" lang="zh-CN" altLang="en-US"/>
           </a:p>
@@ -1730,7 +1730,7 @@
           <a:p>
             <a:fld id="{1533839F-3F66-1041-A72B-59E9F1AD928E}" type="datetimeFigureOut">
               <a:rPr kumimoji="1" lang="zh-CN" altLang="en-US" smtClean="0"/>
-              <a:t>2018/7/16</a:t>
+              <a:t>2018/7/19</a:t>
             </a:fld>
             <a:endParaRPr kumimoji="1" lang="zh-CN" altLang="en-US"/>
           </a:p>
@@ -1825,7 +1825,7 @@
           <a:p>
             <a:fld id="{1533839F-3F66-1041-A72B-59E9F1AD928E}" type="datetimeFigureOut">
               <a:rPr kumimoji="1" lang="zh-CN" altLang="en-US" smtClean="0"/>
-              <a:t>2018/7/16</a:t>
+              <a:t>2018/7/19</a:t>
             </a:fld>
             <a:endParaRPr kumimoji="1" lang="zh-CN" altLang="en-US"/>
           </a:p>
@@ -2102,7 +2102,7 @@
           <a:p>
             <a:fld id="{1533839F-3F66-1041-A72B-59E9F1AD928E}" type="datetimeFigureOut">
               <a:rPr kumimoji="1" lang="zh-CN" altLang="en-US" smtClean="0"/>
-              <a:t>2018/7/16</a:t>
+              <a:t>2018/7/19</a:t>
             </a:fld>
             <a:endParaRPr kumimoji="1" lang="zh-CN" altLang="en-US"/>
           </a:p>
@@ -2355,7 +2355,7 @@
           <a:p>
             <a:fld id="{1533839F-3F66-1041-A72B-59E9F1AD928E}" type="datetimeFigureOut">
               <a:rPr kumimoji="1" lang="zh-CN" altLang="en-US" smtClean="0"/>
-              <a:t>2018/7/16</a:t>
+              <a:t>2018/7/19</a:t>
             </a:fld>
             <a:endParaRPr kumimoji="1" lang="zh-CN" altLang="en-US"/>
           </a:p>
@@ -2568,7 +2568,7 @@
           <a:p>
             <a:fld id="{1533839F-3F66-1041-A72B-59E9F1AD928E}" type="datetimeFigureOut">
               <a:rPr kumimoji="1" lang="zh-CN" altLang="en-US" smtClean="0"/>
-              <a:t>2018/7/16</a:t>
+              <a:t>2018/7/19</a:t>
             </a:fld>
             <a:endParaRPr kumimoji="1" lang="zh-CN" altLang="en-US"/>
           </a:p>
@@ -3310,7 +3310,7 @@
               <a:pPr algn="ctr"/>
               <a:r>
                 <a:rPr kumimoji="1" lang="zh-CN" altLang="en-US" dirty="0" smtClean="0"/>
-                <a:t>交易</a:t>
+                <a:t>账单</a:t>
               </a:r>
               <a:r>
                 <a:rPr kumimoji="1" lang="en-US" altLang="zh-CN" dirty="0" smtClean="0"/>
@@ -3460,11 +3460,11 @@
             <a:p>
               <a:pPr algn="ctr"/>
               <a:r>
-                <a:rPr kumimoji="1" lang="zh-CN" altLang="en-US" dirty="0" smtClean="0"/>
-                <a:t>交易</a:t>
+                <a:rPr kumimoji="1" lang="zh-CN" altLang="en-US" dirty="0"/>
+                <a:t>账单</a:t>
               </a:r>
               <a:r>
-                <a:rPr kumimoji="1" lang="en-US" altLang="zh-CN" dirty="0"/>
+                <a:rPr kumimoji="1" lang="en-US" altLang="zh-CN" dirty="0" smtClean="0"/>
                 <a:t>3</a:t>
               </a:r>
               <a:endParaRPr kumimoji="1" lang="zh-CN" altLang="en-US" dirty="0"/>
@@ -3611,8 +3611,8 @@
             <a:p>
               <a:pPr algn="ctr"/>
               <a:r>
-                <a:rPr kumimoji="1" lang="zh-CN" altLang="en-US" dirty="0" smtClean="0"/>
-                <a:t>交易</a:t>
+                <a:rPr kumimoji="1" lang="zh-CN" altLang="en-US" dirty="0"/>
+                <a:t>账单</a:t>
               </a:r>
               <a:r>
                 <a:rPr kumimoji="1" lang="en-US" altLang="zh-CN" dirty="0" smtClean="0"/>
@@ -3762,11 +3762,11 @@
             <a:p>
               <a:pPr algn="ctr"/>
               <a:r>
-                <a:rPr kumimoji="1" lang="zh-CN" altLang="en-US" dirty="0" smtClean="0"/>
-                <a:t>交易</a:t>
+                <a:rPr kumimoji="1" lang="zh-CN" altLang="en-US" dirty="0"/>
+                <a:t>账单</a:t>
               </a:r>
               <a:r>
-                <a:rPr kumimoji="1" lang="en-US" altLang="zh-CN" dirty="0"/>
+                <a:rPr kumimoji="1" lang="en-US" altLang="zh-CN" dirty="0" smtClean="0"/>
                 <a:t>2</a:t>
               </a:r>
               <a:endParaRPr kumimoji="1" lang="zh-CN" altLang="en-US" dirty="0"/>
@@ -4074,8 +4074,8 @@
             <a:p>
               <a:pPr algn="ctr"/>
               <a:r>
-                <a:rPr kumimoji="1" lang="zh-CN" altLang="en-US" dirty="0" smtClean="0"/>
-                <a:t>交易</a:t>
+                <a:rPr kumimoji="1" lang="zh-CN" altLang="en-US" dirty="0"/>
+                <a:t>账单</a:t>
               </a:r>
               <a:r>
                 <a:rPr kumimoji="1" lang="en-US" altLang="zh-CN" dirty="0" smtClean="0"/>
@@ -4225,11 +4225,11 @@
             <a:p>
               <a:pPr algn="ctr"/>
               <a:r>
-                <a:rPr kumimoji="1" lang="zh-CN" altLang="en-US" dirty="0" smtClean="0"/>
-                <a:t>交易</a:t>
+                <a:rPr kumimoji="1" lang="zh-CN" altLang="en-US" dirty="0"/>
+                <a:t>账单</a:t>
               </a:r>
               <a:r>
-                <a:rPr kumimoji="1" lang="en-US" altLang="zh-CN" dirty="0"/>
+                <a:rPr kumimoji="1" lang="en-US" altLang="zh-CN" dirty="0" smtClean="0"/>
                 <a:t>3</a:t>
               </a:r>
               <a:endParaRPr kumimoji="1" lang="zh-CN" altLang="en-US" dirty="0"/>
@@ -4376,11 +4376,11 @@
             <a:p>
               <a:pPr algn="ctr"/>
               <a:r>
-                <a:rPr kumimoji="1" lang="zh-CN" altLang="en-US" dirty="0" smtClean="0"/>
-                <a:t>交易</a:t>
+                <a:rPr kumimoji="1" lang="zh-CN" altLang="en-US" dirty="0"/>
+                <a:t>账单</a:t>
               </a:r>
               <a:r>
-                <a:rPr kumimoji="1" lang="en-US" altLang="zh-CN" dirty="0"/>
+                <a:rPr kumimoji="1" lang="en-US" altLang="zh-CN" dirty="0" smtClean="0"/>
                 <a:t>2</a:t>
               </a:r>
               <a:endParaRPr kumimoji="1" lang="zh-CN" altLang="en-US" dirty="0"/>
@@ -4688,8 +4688,8 @@
             <a:p>
               <a:pPr algn="ctr"/>
               <a:r>
-                <a:rPr kumimoji="1" lang="zh-CN" altLang="en-US" dirty="0" smtClean="0"/>
-                <a:t>交易</a:t>
+                <a:rPr kumimoji="1" lang="zh-CN" altLang="en-US" dirty="0"/>
+                <a:t>账单</a:t>
               </a:r>
               <a:r>
                 <a:rPr kumimoji="1" lang="en-US" altLang="zh-CN" dirty="0" smtClean="0"/>
@@ -4839,11 +4839,11 @@
             <a:p>
               <a:pPr algn="ctr"/>
               <a:r>
-                <a:rPr kumimoji="1" lang="zh-CN" altLang="en-US" dirty="0" smtClean="0"/>
-                <a:t>交易</a:t>
+                <a:rPr kumimoji="1" lang="zh-CN" altLang="en-US" dirty="0"/>
+                <a:t>账单</a:t>
               </a:r>
               <a:r>
-                <a:rPr kumimoji="1" lang="en-US" altLang="zh-CN" dirty="0"/>
+                <a:rPr kumimoji="1" lang="en-US" altLang="zh-CN" dirty="0" smtClean="0"/>
                 <a:t>3</a:t>
               </a:r>
               <a:endParaRPr kumimoji="1" lang="zh-CN" altLang="en-US" dirty="0"/>
@@ -4990,8 +4990,8 @@
             <a:p>
               <a:pPr algn="ctr"/>
               <a:r>
-                <a:rPr kumimoji="1" lang="zh-CN" altLang="en-US" dirty="0" smtClean="0"/>
-                <a:t>交易</a:t>
+                <a:rPr kumimoji="1" lang="zh-CN" altLang="en-US" dirty="0"/>
+                <a:t>账单</a:t>
               </a:r>
               <a:r>
                 <a:rPr kumimoji="1" lang="en-US" altLang="zh-CN" dirty="0" smtClean="0"/>
@@ -5141,11 +5141,11 @@
             <a:p>
               <a:pPr algn="ctr"/>
               <a:r>
-                <a:rPr kumimoji="1" lang="zh-CN" altLang="en-US" dirty="0" smtClean="0"/>
-                <a:t>交易</a:t>
+                <a:rPr kumimoji="1" lang="zh-CN" altLang="en-US" dirty="0"/>
+                <a:t>账单</a:t>
               </a:r>
               <a:r>
-                <a:rPr kumimoji="1" lang="en-US" altLang="zh-CN" dirty="0"/>
+                <a:rPr kumimoji="1" lang="en-US" altLang="zh-CN" dirty="0" smtClean="0"/>
                 <a:t>2</a:t>
               </a:r>
               <a:endParaRPr kumimoji="1" lang="zh-CN" altLang="en-US" dirty="0"/>
